--- a/Reference Files/spellbook duels cards v3.2.pptx
+++ b/Reference Files/spellbook duels cards v3.2.pptx
@@ -129,8 +129,94 @@
 </p:presentation>
 </file>
 
+<file path=ppt/revisionInfo.xml><?xml version="1.0" encoding="utf-8"?>
+<p1510:revInfo xmlns:a="http://schemas.openxmlformats.org/drawingml/2006/main" xmlns:r="http://schemas.openxmlformats.org/officeDocument/2006/relationships" xmlns:p1510="http://schemas.microsoft.com/office/powerpoint/2015/10/main">
+  <p1510:revLst>
+    <p1510:client id="{C889619A-D020-0842-844E-D676106F9026}" v="2" dt="2025-11-28T02:22:05.406"/>
+  </p1510:revLst>
+</p1510:revInfo>
+</file>
+
 <file path=ppt/changesInfos/changesInfo1.xml><?xml version="1.0" encoding="utf-8"?>
 <pc:chgInfo xmlns:a="http://schemas.openxmlformats.org/drawingml/2006/main" xmlns:r="http://schemas.openxmlformats.org/officeDocument/2006/relationships" xmlns:ac="http://schemas.microsoft.com/office/drawing/2013/main/command" xmlns:pc="http://schemas.microsoft.com/office/powerpoint/2013/main/command">
+  <pc:docChgLst>
+    <pc:chgData name="Ryan Camp" userId="3a311172e72c241e" providerId="LiveId" clId="{6BF05E85-9445-5865-BECD-D0E792489950}"/>
+    <pc:docChg chg="undo custSel modSld">
+      <pc:chgData name="Ryan Camp" userId="3a311172e72c241e" providerId="LiveId" clId="{6BF05E85-9445-5865-BECD-D0E792489950}" dt="2025-11-28T02:22:14.767" v="47" actId="20577"/>
+      <pc:docMkLst>
+        <pc:docMk/>
+      </pc:docMkLst>
+      <pc:sldChg chg="modSp">
+        <pc:chgData name="Ryan Camp" userId="3a311172e72c241e" providerId="LiveId" clId="{6BF05E85-9445-5865-BECD-D0E792489950}" dt="2025-11-28T02:13:21.459" v="22"/>
+        <pc:sldMkLst>
+          <pc:docMk/>
+          <pc:sldMk cId="1597633739" sldId="272"/>
+        </pc:sldMkLst>
+        <pc:spChg chg="mod">
+          <ac:chgData name="Ryan Camp" userId="3a311172e72c241e" providerId="LiveId" clId="{6BF05E85-9445-5865-BECD-D0E792489950}" dt="2025-11-28T02:13:21.459" v="22"/>
+          <ac:spMkLst>
+            <pc:docMk/>
+            <pc:sldMk cId="1597633739" sldId="272"/>
+            <ac:spMk id="10" creationId="{FABEE52B-BE49-48C2-9E20-311B356C1769}"/>
+          </ac:spMkLst>
+        </pc:spChg>
+      </pc:sldChg>
+      <pc:sldChg chg="modSp mod">
+        <pc:chgData name="Ryan Camp" userId="3a311172e72c241e" providerId="LiveId" clId="{6BF05E85-9445-5865-BECD-D0E792489950}" dt="2025-11-28T02:22:14.767" v="47" actId="20577"/>
+        <pc:sldMkLst>
+          <pc:docMk/>
+          <pc:sldMk cId="784868790" sldId="275"/>
+        </pc:sldMkLst>
+        <pc:spChg chg="mod">
+          <ac:chgData name="Ryan Camp" userId="3a311172e72c241e" providerId="LiveId" clId="{6BF05E85-9445-5865-BECD-D0E792489950}" dt="2025-11-28T02:22:14.767" v="47" actId="20577"/>
+          <ac:spMkLst>
+            <pc:docMk/>
+            <pc:sldMk cId="784868790" sldId="275"/>
+            <ac:spMk id="40" creationId="{22352A70-AB38-4024-A13C-441409CCFE37}"/>
+          </ac:spMkLst>
+        </pc:spChg>
+      </pc:sldChg>
+      <pc:sldChg chg="addSp delSp modSp mod">
+        <pc:chgData name="Ryan Camp" userId="3a311172e72c241e" providerId="LiveId" clId="{6BF05E85-9445-5865-BECD-D0E792489950}" dt="2025-11-28T02:21:30.785" v="31" actId="20577"/>
+        <pc:sldMkLst>
+          <pc:docMk/>
+          <pc:sldMk cId="912760375" sldId="278"/>
+        </pc:sldMkLst>
+        <pc:spChg chg="mod">
+          <ac:chgData name="Ryan Camp" userId="3a311172e72c241e" providerId="LiveId" clId="{6BF05E85-9445-5865-BECD-D0E792489950}" dt="2025-11-28T02:21:30.785" v="31" actId="20577"/>
+          <ac:spMkLst>
+            <pc:docMk/>
+            <pc:sldMk cId="912760375" sldId="278"/>
+            <ac:spMk id="35" creationId="{00000000-0000-0000-0000-000000000000}"/>
+          </ac:spMkLst>
+        </pc:spChg>
+        <pc:spChg chg="add del">
+          <ac:chgData name="Ryan Camp" userId="3a311172e72c241e" providerId="LiveId" clId="{6BF05E85-9445-5865-BECD-D0E792489950}" dt="2025-11-28T01:11:15.390" v="21" actId="478"/>
+          <ac:spMkLst>
+            <pc:docMk/>
+            <pc:sldMk cId="912760375" sldId="278"/>
+            <ac:spMk id="51" creationId="{AF2DA811-DA31-4AA6-A28F-CB225B01FD62}"/>
+          </ac:spMkLst>
+        </pc:spChg>
+        <pc:spChg chg="mod">
+          <ac:chgData name="Ryan Camp" userId="3a311172e72c241e" providerId="LiveId" clId="{6BF05E85-9445-5865-BECD-D0E792489950}" dt="2025-11-28T01:07:01.739" v="19" actId="20577"/>
+          <ac:spMkLst>
+            <pc:docMk/>
+            <pc:sldMk cId="912760375" sldId="278"/>
+            <ac:spMk id="52" creationId="{E31CFBBD-A6D1-44D4-B4AE-9ED595038BFD}"/>
+          </ac:spMkLst>
+        </pc:spChg>
+        <pc:spChg chg="mod">
+          <ac:chgData name="Ryan Camp" userId="3a311172e72c241e" providerId="LiveId" clId="{6BF05E85-9445-5865-BECD-D0E792489950}" dt="2025-11-28T02:20:44.615" v="30" actId="20577"/>
+          <ac:spMkLst>
+            <pc:docMk/>
+            <pc:sldMk cId="912760375" sldId="278"/>
+            <ac:spMk id="55" creationId="{FEA64FB6-5072-440D-A8F1-744444F876C8}"/>
+          </ac:spMkLst>
+        </pc:spChg>
+      </pc:sldChg>
+    </pc:docChg>
+  </pc:docChgLst>
   <pc:docChgLst>
     <pc:chgData name="Ryan Camp" userId="3a311172e72c241e" providerId="LiveId" clId="{45DFF692-B1D7-4238-BB81-B04662461E75}"/>
     <pc:docChg chg="undo redo custSel modSld modMainMaster">
@@ -336,7 +422,7 @@
           <a:p>
             <a:fld id="{2E6E03DE-44D1-C14A-8C3D-2F85403A9933}" type="datetimeFigureOut">
               <a:rPr lang="en-US" smtClean="0"/>
-              <a:t>10/28/2025</a:t>
+              <a:t>11/25/25</a:t>
             </a:fld>
             <a:endParaRPr lang="en-US"/>
           </a:p>
@@ -501,7 +587,7 @@
           <a:p>
             <a:fld id="{409CF6D9-3D73-8B4D-85A1-9996E6E1BE5A}" type="datetimeFigureOut">
               <a:rPr lang="en-US" smtClean="0"/>
-              <a:t>10/28/2025</a:t>
+              <a:t>11/25/25</a:t>
             </a:fld>
             <a:endParaRPr lang="en-US"/>
           </a:p>
@@ -1569,7 +1655,7 @@
           <a:p>
             <a:fld id="{24C2F99D-1F7D-4973-B844-B4DF49BCC6D2}" type="datetimeFigureOut">
               <a:rPr lang="en-US" smtClean="0"/>
-              <a:t>10/28/2025</a:t>
+              <a:t>11/25/25</a:t>
             </a:fld>
             <a:endParaRPr lang="en-US"/>
           </a:p>
@@ -1737,7 +1823,7 @@
           <a:p>
             <a:fld id="{24C2F99D-1F7D-4973-B844-B4DF49BCC6D2}" type="datetimeFigureOut">
               <a:rPr lang="en-US" smtClean="0"/>
-              <a:t>10/28/2025</a:t>
+              <a:t>11/25/25</a:t>
             </a:fld>
             <a:endParaRPr lang="en-US"/>
           </a:p>
@@ -1915,7 +2001,7 @@
           <a:p>
             <a:fld id="{24C2F99D-1F7D-4973-B844-B4DF49BCC6D2}" type="datetimeFigureOut">
               <a:rPr lang="en-US" smtClean="0"/>
-              <a:t>10/28/2025</a:t>
+              <a:t>11/25/25</a:t>
             </a:fld>
             <a:endParaRPr lang="en-US"/>
           </a:p>
@@ -6378,7 +6464,7 @@
           <a:p>
             <a:fld id="{24C2F99D-1F7D-4973-B844-B4DF49BCC6D2}" type="datetimeFigureOut">
               <a:rPr lang="en-US" smtClean="0"/>
-              <a:t>10/28/2025</a:t>
+              <a:t>11/25/25</a:t>
             </a:fld>
             <a:endParaRPr lang="en-US"/>
           </a:p>
@@ -6623,7 +6709,7 @@
           <a:p>
             <a:fld id="{24C2F99D-1F7D-4973-B844-B4DF49BCC6D2}" type="datetimeFigureOut">
               <a:rPr lang="en-US" smtClean="0"/>
-              <a:t>10/28/2025</a:t>
+              <a:t>11/25/25</a:t>
             </a:fld>
             <a:endParaRPr lang="en-US"/>
           </a:p>
@@ -6852,7 +6938,7 @@
           <a:p>
             <a:fld id="{24C2F99D-1F7D-4973-B844-B4DF49BCC6D2}" type="datetimeFigureOut">
               <a:rPr lang="en-US" smtClean="0"/>
-              <a:t>10/28/2025</a:t>
+              <a:t>11/25/25</a:t>
             </a:fld>
             <a:endParaRPr lang="en-US"/>
           </a:p>
@@ -7216,7 +7302,7 @@
           <a:p>
             <a:fld id="{24C2F99D-1F7D-4973-B844-B4DF49BCC6D2}" type="datetimeFigureOut">
               <a:rPr lang="en-US" smtClean="0"/>
-              <a:t>10/28/2025</a:t>
+              <a:t>11/25/25</a:t>
             </a:fld>
             <a:endParaRPr lang="en-US"/>
           </a:p>
@@ -7333,7 +7419,7 @@
           <a:p>
             <a:fld id="{24C2F99D-1F7D-4973-B844-B4DF49BCC6D2}" type="datetimeFigureOut">
               <a:rPr lang="en-US" smtClean="0"/>
-              <a:t>10/28/2025</a:t>
+              <a:t>11/25/25</a:t>
             </a:fld>
             <a:endParaRPr lang="en-US"/>
           </a:p>
@@ -7428,7 +7514,7 @@
           <a:p>
             <a:fld id="{24C2F99D-1F7D-4973-B844-B4DF49BCC6D2}" type="datetimeFigureOut">
               <a:rPr lang="en-US" smtClean="0"/>
-              <a:t>10/28/2025</a:t>
+              <a:t>11/25/25</a:t>
             </a:fld>
             <a:endParaRPr lang="en-US"/>
           </a:p>
@@ -7703,7 +7789,7 @@
           <a:p>
             <a:fld id="{24C2F99D-1F7D-4973-B844-B4DF49BCC6D2}" type="datetimeFigureOut">
               <a:rPr lang="en-US" smtClean="0"/>
-              <a:t>10/28/2025</a:t>
+              <a:t>11/25/25</a:t>
             </a:fld>
             <a:endParaRPr lang="en-US"/>
           </a:p>
@@ -7955,7 +8041,7 @@
           <a:p>
             <a:fld id="{24C2F99D-1F7D-4973-B844-B4DF49BCC6D2}" type="datetimeFigureOut">
               <a:rPr lang="en-US" smtClean="0"/>
-              <a:t>10/28/2025</a:t>
+              <a:t>11/25/25</a:t>
             </a:fld>
             <a:endParaRPr lang="en-US"/>
           </a:p>
@@ -8166,7 +8252,7 @@
           <a:p>
             <a:fld id="{24C2F99D-1F7D-4973-B844-B4DF49BCC6D2}" type="datetimeFigureOut">
               <a:rPr lang="en-US" smtClean="0"/>
-              <a:t>10/28/2025</a:t>
+              <a:t>11/25/25</a:t>
             </a:fld>
             <a:endParaRPr lang="en-US"/>
           </a:p>
@@ -9353,7 +9439,7 @@
           <a:p>
             <a:r>
               <a:rPr lang="en-US" dirty="0"/>
-              <a:t>Wards cannot reduce the damage this spell deals.</a:t>
+              <a:t>Wards cannot reduce the damage your attack spells deal.</a:t>
             </a:r>
           </a:p>
         </p:txBody>
@@ -9437,7 +9523,7 @@
           <a:p>
             <a:r>
               <a:rPr lang="en-US" dirty="0"/>
-              <a:t>Counterspell –  Aether</a:t>
+              <a:t>Counterspell –  3 Aether</a:t>
             </a:r>
           </a:p>
         </p:txBody>
@@ -9484,7 +9570,7 @@
           <a:p>
             <a:r>
               <a:rPr lang="en-US" dirty="0"/>
-              <a:t>All damage that would be dealt to you this defense phase is dealt to the attacking opponent instead</a:t>
+              <a:t>All damage that would be dealt to you this defense phase is dealt to the attacking opponent instead.</a:t>
             </a:r>
           </a:p>
         </p:txBody>
@@ -11043,7 +11129,7 @@
           <a:p>
             <a:r>
               <a:rPr lang="en-US" dirty="0"/>
-              <a:t>An opponent attacking you takes 3 </a:t>
+              <a:t>An opponent that attacked you this turn takes 3 </a:t>
             </a:r>
             <a:r>
               <a:rPr lang="en-US" dirty="0" err="1"/>
@@ -11051,7 +11137,7 @@
             </a:r>
             <a:r>
               <a:rPr lang="en-US" dirty="0"/>
-              <a:t> damage. Activate this only during your defend phase.</a:t>
+              <a:t> damage.</a:t>
             </a:r>
           </a:p>
         </p:txBody>
@@ -15607,7 +15693,15 @@
           <a:p>
             <a:r>
               <a:rPr lang="en-US" dirty="0"/>
-              <a:t>Any player attacking you must choose another player to be the target of their attack (they can choose themselves). It becomes that player’s defend phase.</a:t>
+              <a:t>All damage that would be dealt to you </a:t>
+            </a:r>
+            <a:r>
+              <a:rPr lang="en-US"/>
+              <a:t>during your </a:t>
+            </a:r>
+            <a:r>
+              <a:rPr lang="en-US" dirty="0"/>
+              <a:t>defense phase is dealt to the attacking opponent instead.</a:t>
             </a:r>
           </a:p>
         </p:txBody>

--- a/Reference Files/spellbook duels cards v3.2.pptx
+++ b/Reference Files/spellbook duels cards v3.2.pptx
@@ -142,10 +142,25 @@
   <pc:docChgLst>
     <pc:chgData name="Ryan Camp" userId="3a311172e72c241e" providerId="LiveId" clId="{6BF05E85-9445-5865-BECD-D0E792489950}"/>
     <pc:docChg chg="undo custSel modSld">
-      <pc:chgData name="Ryan Camp" userId="3a311172e72c241e" providerId="LiveId" clId="{6BF05E85-9445-5865-BECD-D0E792489950}" dt="2025-11-28T02:22:14.767" v="47" actId="20577"/>
+      <pc:chgData name="Ryan Camp" userId="3a311172e72c241e" providerId="LiveId" clId="{6BF05E85-9445-5865-BECD-D0E792489950}" dt="2025-11-28T05:11:17.773" v="62" actId="20577"/>
       <pc:docMkLst>
         <pc:docMk/>
       </pc:docMkLst>
+      <pc:sldChg chg="modSp mod">
+        <pc:chgData name="Ryan Camp" userId="3a311172e72c241e" providerId="LiveId" clId="{6BF05E85-9445-5865-BECD-D0E792489950}" dt="2025-11-28T05:11:17.773" v="62" actId="20577"/>
+        <pc:sldMkLst>
+          <pc:docMk/>
+          <pc:sldMk cId="130508862" sldId="271"/>
+        </pc:sldMkLst>
+        <pc:spChg chg="mod">
+          <ac:chgData name="Ryan Camp" userId="3a311172e72c241e" providerId="LiveId" clId="{6BF05E85-9445-5865-BECD-D0E792489950}" dt="2025-11-28T05:11:17.773" v="62" actId="20577"/>
+          <ac:spMkLst>
+            <pc:docMk/>
+            <pc:sldMk cId="130508862" sldId="271"/>
+            <ac:spMk id="52" creationId="{E31CFBBD-A6D1-44D4-B4AE-9ED595038BFD}"/>
+          </ac:spMkLst>
+        </pc:spChg>
+      </pc:sldChg>
       <pc:sldChg chg="modSp">
         <pc:chgData name="Ryan Camp" userId="3a311172e72c241e" providerId="LiveId" clId="{6BF05E85-9445-5865-BECD-D0E792489950}" dt="2025-11-28T02:13:21.459" v="22"/>
         <pc:sldMkLst>
@@ -10538,7 +10553,7 @@
           <a:p>
             <a:r>
               <a:rPr lang="en-US" dirty="0"/>
-              <a:t>Break a Curse. Each opponent takes 2 </a:t>
+              <a:t>Break an opponent’s Curse. Each opponent takes 2 </a:t>
             </a:r>
             <a:r>
               <a:rPr lang="en-US" dirty="0" err="1"/>
@@ -15693,15 +15708,7 @@
           <a:p>
             <a:r>
               <a:rPr lang="en-US" dirty="0"/>
-              <a:t>All damage that would be dealt to you </a:t>
-            </a:r>
-            <a:r>
-              <a:rPr lang="en-US"/>
-              <a:t>during your </a:t>
-            </a:r>
-            <a:r>
-              <a:rPr lang="en-US" dirty="0"/>
-              <a:t>defense phase is dealt to the attacking opponent instead.</a:t>
+              <a:t>All damage that would be dealt to you during your defense phase is dealt to the attacking opponent instead.</a:t>
             </a:r>
           </a:p>
         </p:txBody>
